--- a/_teaching/csci112-fall-2023/lectures/ppts/splitting_up_program.pptx
+++ b/_teaching/csci112-fall-2023/lectures/ppts/splitting_up_program.pptx
@@ -5,13 +5,14 @@
     <p:sldMasterId id="2147483696" r:id="rId1"/>
   </p:sldMasterIdLst>
   <p:notesMasterIdLst>
-    <p:notesMasterId r:id="rId6"/>
+    <p:notesMasterId r:id="rId7"/>
   </p:notesMasterIdLst>
   <p:sldIdLst>
-    <p:sldId id="307" r:id="rId2"/>
-    <p:sldId id="306" r:id="rId3"/>
-    <p:sldId id="308" r:id="rId4"/>
+    <p:sldId id="310" r:id="rId2"/>
+    <p:sldId id="312" r:id="rId3"/>
+    <p:sldId id="313" r:id="rId4"/>
     <p:sldId id="309" r:id="rId5"/>
+    <p:sldId id="314" r:id="rId6"/>
   </p:sldIdLst>
   <p:sldSz cx="9144000" cy="6858000" type="screen4x3"/>
   <p:notesSz cx="6858000" cy="9144000"/>
@@ -211,7 +212,7 @@
           <a:p>
             <a:fld id="{E98CB7A6-F9BD-49C3-9ECF-4DAF095CBB1C}" type="datetimeFigureOut">
               <a:rPr lang="en-US" smtClean="0"/>
-              <a:t>3/29/23</a:t>
+              <a:t>10/24/23</a:t>
             </a:fld>
             <a:endParaRPr lang="en-US"/>
           </a:p>
@@ -657,7 +658,7 @@
           <a:p>
             <a:fld id="{E3D5AC34-6369-47AD-9227-C94D863A9CC0}" type="datetime1">
               <a:rPr lang="en-US" smtClean="0"/>
-              <a:t>3/29/23</a:t>
+              <a:t>10/24/23</a:t>
             </a:fld>
             <a:endParaRPr lang="en-US"/>
           </a:p>
@@ -828,7 +829,7 @@
           <a:p>
             <a:fld id="{072AE9C9-84B0-4CCC-8BB5-D31EF955DABF}" type="datetime1">
               <a:rPr lang="en-US" smtClean="0"/>
-              <a:t>3/29/23</a:t>
+              <a:t>10/24/23</a:t>
             </a:fld>
             <a:endParaRPr lang="en-US"/>
           </a:p>
@@ -1009,7 +1010,7 @@
           <a:p>
             <a:fld id="{418459C9-6810-46A7-8E27-73A52524CA34}" type="datetime1">
               <a:rPr lang="en-US" smtClean="0"/>
-              <a:t>3/29/23</a:t>
+              <a:t>10/24/23</a:t>
             </a:fld>
             <a:endParaRPr lang="en-US"/>
           </a:p>
@@ -1180,7 +1181,7 @@
           <a:p>
             <a:fld id="{F7BCA306-D31B-4E3C-AD40-EA3294957AA6}" type="datetime1">
               <a:rPr lang="en-US" smtClean="0"/>
-              <a:t>3/29/23</a:t>
+              <a:t>10/24/23</a:t>
             </a:fld>
             <a:endParaRPr lang="en-US"/>
           </a:p>
@@ -1428,7 +1429,7 @@
           <a:p>
             <a:fld id="{5C41660C-86E2-43CF-B22A-29E62815AB7D}" type="datetime1">
               <a:rPr lang="en-US" smtClean="0"/>
-              <a:t>3/29/23</a:t>
+              <a:t>10/24/23</a:t>
             </a:fld>
             <a:endParaRPr lang="en-US"/>
           </a:p>
@@ -1716,7 +1717,7 @@
           <a:p>
             <a:fld id="{94543629-6BC7-4BF9-A2A1-981038F36C55}" type="datetime1">
               <a:rPr lang="en-US" smtClean="0"/>
-              <a:t>3/29/23</a:t>
+              <a:t>10/24/23</a:t>
             </a:fld>
             <a:endParaRPr lang="en-US"/>
           </a:p>
@@ -2138,7 +2139,7 @@
           <a:p>
             <a:fld id="{EB5B99CF-F104-4BC6-A098-3ABC219C8A7D}" type="datetime1">
               <a:rPr lang="en-US" smtClean="0"/>
-              <a:t>3/29/23</a:t>
+              <a:t>10/24/23</a:t>
             </a:fld>
             <a:endParaRPr lang="en-US"/>
           </a:p>
@@ -2258,7 +2259,7 @@
           <a:p>
             <a:fld id="{C07800F5-980D-47D4-9F20-E5F458E76937}" type="datetime1">
               <a:rPr lang="en-US" smtClean="0"/>
-              <a:t>3/29/23</a:t>
+              <a:t>10/24/23</a:t>
             </a:fld>
             <a:endParaRPr lang="en-US"/>
           </a:p>
@@ -2356,7 +2357,7 @@
           <a:p>
             <a:fld id="{913B0C59-39A1-4E7B-8276-56A7060F0A3E}" type="datetime1">
               <a:rPr lang="en-US" smtClean="0"/>
-              <a:t>3/29/23</a:t>
+              <a:t>10/24/23</a:t>
             </a:fld>
             <a:endParaRPr lang="en-US"/>
           </a:p>
@@ -2634,7 +2635,7 @@
           <a:p>
             <a:fld id="{C453B8A8-F829-4B10-8A5D-952BBAE5F11B}" type="datetime1">
               <a:rPr lang="en-US" smtClean="0"/>
-              <a:t>3/29/23</a:t>
+              <a:t>10/24/23</a:t>
             </a:fld>
             <a:endParaRPr lang="en-US"/>
           </a:p>
@@ -2889,7 +2890,7 @@
           <a:p>
             <a:fld id="{805C8FAD-01C2-4C81-8B26-770D72A95E71}" type="datetime1">
               <a:rPr lang="en-US" smtClean="0"/>
-              <a:t>3/29/23</a:t>
+              <a:t>10/24/23</a:t>
             </a:fld>
             <a:endParaRPr lang="en-US"/>
           </a:p>
@@ -3103,7 +3104,7 @@
           <a:p>
             <a:fld id="{3E62D69C-6875-48F7-B20D-CB317DFF406B}" type="datetime1">
               <a:rPr lang="en-US" smtClean="0"/>
-              <a:t>3/29/23</a:t>
+              <a:t>10/24/23</a:t>
             </a:fld>
             <a:endParaRPr lang="en-US"/>
           </a:p>
@@ -3484,214 +3485,6 @@
       </p:grpSpPr>
       <p:sp>
         <p:nvSpPr>
-          <p:cNvPr id="2" name="Title 1">
-            <a:extLst>
-              <a:ext uri="{FF2B5EF4-FFF2-40B4-BE49-F238E27FC236}">
-                <a16:creationId xmlns:a16="http://schemas.microsoft.com/office/drawing/2014/main" id="{A0AD9619-ACDB-9847-9414-8D331518AA37}"/>
-              </a:ext>
-            </a:extLst>
-          </p:cNvPr>
-          <p:cNvSpPr>
-            <a:spLocks noGrp="1"/>
-          </p:cNvSpPr>
-          <p:nvPr>
-            <p:ph type="title"/>
-          </p:nvPr>
-        </p:nvSpPr>
-        <p:spPr/>
-        <p:txBody>
-          <a:bodyPr>
-            <a:normAutofit/>
-          </a:bodyPr>
-          <a:lstStyle/>
-          <a:p>
-            <a:r>
-              <a:rPr lang="en-US" dirty="0"/>
-              <a:t>Header files: defining the interface</a:t>
-            </a:r>
-          </a:p>
-        </p:txBody>
-      </p:sp>
-      <p:sp>
-        <p:nvSpPr>
-          <p:cNvPr id="3" name="Content Placeholder 2">
-            <a:extLst>
-              <a:ext uri="{FF2B5EF4-FFF2-40B4-BE49-F238E27FC236}">
-                <a16:creationId xmlns:a16="http://schemas.microsoft.com/office/drawing/2014/main" id="{CE07B50E-8174-9546-9088-E584C0B94BC6}"/>
-              </a:ext>
-            </a:extLst>
-          </p:cNvPr>
-          <p:cNvSpPr>
-            <a:spLocks noGrp="1"/>
-          </p:cNvSpPr>
-          <p:nvPr>
-            <p:ph idx="1"/>
-          </p:nvPr>
-        </p:nvSpPr>
-        <p:spPr/>
-        <p:txBody>
-          <a:bodyPr>
-            <a:normAutofit fontScale="85000" lnSpcReduction="20000"/>
-          </a:bodyPr>
-          <a:lstStyle/>
-          <a:p>
-            <a:pPr marL="0" indent="0">
-              <a:buNone/>
-            </a:pPr>
-            <a:r>
-              <a:rPr lang="en-US" dirty="0">
-                <a:ea typeface="+mn-lt"/>
-                <a:cs typeface="+mn-lt"/>
-              </a:rPr>
-              <a:t>#include&lt;</a:t>
-            </a:r>
-            <a:r>
-              <a:rPr lang="en-US" dirty="0" err="1">
-                <a:ea typeface="+mn-lt"/>
-                <a:cs typeface="+mn-lt"/>
-              </a:rPr>
-              <a:t>stdio.h</a:t>
-            </a:r>
-            <a:r>
-              <a:rPr lang="en-US" dirty="0">
-                <a:ea typeface="+mn-lt"/>
-                <a:cs typeface="+mn-lt"/>
-              </a:rPr>
-              <a:t>&gt;</a:t>
-            </a:r>
-          </a:p>
-          <a:p>
-            <a:pPr marL="0" indent="0">
-              <a:buNone/>
-            </a:pPr>
-            <a:r>
-              <a:rPr lang="en-US" dirty="0">
-                <a:cs typeface="Calibri"/>
-              </a:rPr>
-              <a:t>versus</a:t>
-            </a:r>
-          </a:p>
-          <a:p>
-            <a:pPr marL="0" indent="0">
-              <a:buNone/>
-            </a:pPr>
-            <a:r>
-              <a:rPr lang="en-US" dirty="0">
-                <a:cs typeface="Calibri"/>
-              </a:rPr>
-              <a:t>#</a:t>
-            </a:r>
-            <a:r>
-              <a:rPr lang="en-US" dirty="0" err="1">
-                <a:cs typeface="Calibri"/>
-              </a:rPr>
-              <a:t>include"class.h</a:t>
-            </a:r>
-            <a:r>
-              <a:rPr lang="en-US" dirty="0">
-                <a:cs typeface="Calibri"/>
-              </a:rPr>
-              <a:t>"</a:t>
-            </a:r>
-          </a:p>
-          <a:p>
-            <a:pPr marL="0" indent="0">
-              <a:buNone/>
-            </a:pPr>
-            <a:endParaRPr lang="en-US" dirty="0">
-              <a:cs typeface="Calibri"/>
-            </a:endParaRPr>
-          </a:p>
-          <a:p>
-            <a:r>
-              <a:rPr lang="en-US" dirty="0">
-                <a:cs typeface="Calibri"/>
-              </a:rPr>
-              <a:t>Angle brackets versus quotes tells compiler where to look for the file</a:t>
-            </a:r>
-          </a:p>
-          <a:p>
-            <a:r>
-              <a:rPr lang="en-US" dirty="0">
-                <a:cs typeface="Calibri"/>
-              </a:rPr>
-              <a:t>Gets copied in by preprocessor and then compiled in the .c file</a:t>
-            </a:r>
-          </a:p>
-          <a:p>
-            <a:r>
-              <a:rPr lang="en-US" dirty="0">
-                <a:cs typeface="Calibri"/>
-              </a:rPr>
-              <a:t>A .h file is never in the compile command</a:t>
-            </a:r>
-          </a:p>
-          <a:p>
-            <a:pPr marL="0" indent="0">
-              <a:buNone/>
-            </a:pPr>
-            <a:endParaRPr lang="en-US" dirty="0">
-              <a:cs typeface="Calibri"/>
-            </a:endParaRPr>
-          </a:p>
-          <a:p>
-            <a:pPr marL="0" indent="0">
-              <a:buNone/>
-            </a:pPr>
-            <a:r>
-              <a:rPr lang="en-US" dirty="0" err="1">
-                <a:cs typeface="Calibri"/>
-              </a:rPr>
-              <a:t>gcc</a:t>
-            </a:r>
-            <a:r>
-              <a:rPr lang="en-US" dirty="0">
-                <a:cs typeface="Calibri"/>
-              </a:rPr>
-              <a:t> –o exe –Wall </a:t>
-            </a:r>
-            <a:r>
-              <a:rPr lang="en-US" dirty="0" err="1">
-                <a:cs typeface="Calibri"/>
-              </a:rPr>
-              <a:t>program.c</a:t>
-            </a:r>
-            <a:endParaRPr lang="en-US" dirty="0">
-              <a:cs typeface="Calibri"/>
-            </a:endParaRPr>
-          </a:p>
-        </p:txBody>
-      </p:sp>
-      <p:sp>
-        <p:nvSpPr>
-          <p:cNvPr id="4" name="Footer Placeholder 3">
-            <a:extLst>
-              <a:ext uri="{FF2B5EF4-FFF2-40B4-BE49-F238E27FC236}">
-                <a16:creationId xmlns:a16="http://schemas.microsoft.com/office/drawing/2014/main" id="{C5B652D8-2345-244F-9508-4A4FC30CAFC7}"/>
-              </a:ext>
-            </a:extLst>
-          </p:cNvPr>
-          <p:cNvSpPr>
-            <a:spLocks noGrp="1"/>
-          </p:cNvSpPr>
-          <p:nvPr>
-            <p:ph type="ftr" sz="quarter" idx="11"/>
-          </p:nvPr>
-        </p:nvSpPr>
-        <p:spPr/>
-        <p:txBody>
-          <a:bodyPr/>
-          <a:lstStyle/>
-          <a:p>
-            <a:r>
-              <a:rPr lang="en-US"/>
-              <a:t>© 2016 Pearson Education, Inc., Hoboken, NJ.  All rights reserved.</a:t>
-            </a:r>
-          </a:p>
-        </p:txBody>
-      </p:sp>
-      <p:sp>
-        <p:nvSpPr>
           <p:cNvPr id="5" name="Slide Number Placeholder 4">
             <a:extLst>
               <a:ext uri="{FF2B5EF4-FFF2-40B4-BE49-F238E27FC236}">
@@ -3719,10 +3512,107 @@
           </a:p>
         </p:txBody>
       </p:sp>
+      <p:sp>
+        <p:nvSpPr>
+          <p:cNvPr id="7" name="Content Placeholder 6">
+            <a:extLst>
+              <a:ext uri="{FF2B5EF4-FFF2-40B4-BE49-F238E27FC236}">
+                <a16:creationId xmlns:a16="http://schemas.microsoft.com/office/drawing/2014/main" id="{FF7DA971-B7B2-3640-89E1-FA6AB210356E}"/>
+              </a:ext>
+            </a:extLst>
+          </p:cNvPr>
+          <p:cNvSpPr>
+            <a:spLocks noGrp="1"/>
+          </p:cNvSpPr>
+          <p:nvPr>
+            <p:ph idx="1"/>
+          </p:nvPr>
+        </p:nvSpPr>
+        <p:spPr/>
+        <p:txBody>
+          <a:bodyPr/>
+          <a:lstStyle/>
+          <a:p>
+            <a:endParaRPr lang="en-US"/>
+          </a:p>
+        </p:txBody>
+      </p:sp>
+      <p:sp>
+        <p:nvSpPr>
+          <p:cNvPr id="9" name="Title 8">
+            <a:extLst>
+              <a:ext uri="{FF2B5EF4-FFF2-40B4-BE49-F238E27FC236}">
+                <a16:creationId xmlns:a16="http://schemas.microsoft.com/office/drawing/2014/main" id="{A7517EA5-DF97-8845-9E32-01234147174F}"/>
+              </a:ext>
+            </a:extLst>
+          </p:cNvPr>
+          <p:cNvSpPr>
+            <a:spLocks noGrp="1"/>
+          </p:cNvSpPr>
+          <p:nvPr>
+            <p:ph type="title"/>
+          </p:nvPr>
+        </p:nvSpPr>
+        <p:spPr/>
+        <p:txBody>
+          <a:bodyPr/>
+          <a:lstStyle/>
+          <a:p>
+            <a:endParaRPr lang="en-US"/>
+          </a:p>
+        </p:txBody>
+      </p:sp>
+      <p:pic>
+        <p:nvPicPr>
+          <p:cNvPr id="1026" name="Picture 2" descr="Compiling">
+            <a:extLst>
+              <a:ext uri="{FF2B5EF4-FFF2-40B4-BE49-F238E27FC236}">
+                <a16:creationId xmlns:a16="http://schemas.microsoft.com/office/drawing/2014/main" id="{7E6F8F56-5AF4-5740-A340-178523D92217}"/>
+              </a:ext>
+            </a:extLst>
+          </p:cNvPr>
+          <p:cNvPicPr>
+            <a:picLocks noChangeAspect="1" noChangeArrowheads="1"/>
+          </p:cNvPicPr>
+          <p:nvPr/>
+        </p:nvPicPr>
+        <p:blipFill>
+          <a:blip r:embed="rId2">
+            <a:extLst>
+              <a:ext uri="{28A0092B-C50C-407E-A947-70E740481C1C}">
+                <a14:useLocalDpi xmlns:a14="http://schemas.microsoft.com/office/drawing/2010/main" val="0"/>
+              </a:ext>
+            </a:extLst>
+          </a:blip>
+          <a:srcRect/>
+          <a:stretch>
+            <a:fillRect/>
+          </a:stretch>
+        </p:blipFill>
+        <p:spPr bwMode="auto">
+          <a:xfrm>
+            <a:off x="1447800" y="303541"/>
+            <a:ext cx="6508750" cy="5673487"/>
+          </a:xfrm>
+          <a:prstGeom prst="rect">
+            <a:avLst/>
+          </a:prstGeom>
+          <a:noFill/>
+          <a:extLst>
+            <a:ext uri="{909E8E84-426E-40DD-AFC4-6F175D3DCCD1}">
+              <a14:hiddenFill xmlns:a14="http://schemas.microsoft.com/office/drawing/2010/main">
+                <a:solidFill>
+                  <a:srgbClr val="FFFFFF"/>
+                </a:solidFill>
+              </a14:hiddenFill>
+            </a:ext>
+          </a:extLst>
+        </p:spPr>
+      </p:pic>
     </p:spTree>
     <p:extLst>
       <p:ext uri="{BB962C8B-B14F-4D97-AF65-F5344CB8AC3E}">
-        <p14:creationId xmlns:p14="http://schemas.microsoft.com/office/powerpoint/2010/main" val="165316992"/>
+        <p14:creationId xmlns:p14="http://schemas.microsoft.com/office/powerpoint/2010/main" val="534904560"/>
       </p:ext>
     </p:extLst>
   </p:cSld>
@@ -3754,7 +3644,7 @@
           <p:cNvPr id="2" name="Title 1">
             <a:extLst>
               <a:ext uri="{FF2B5EF4-FFF2-40B4-BE49-F238E27FC236}">
-                <a16:creationId xmlns:a16="http://schemas.microsoft.com/office/drawing/2014/main" id="{A0AD9619-ACDB-9847-9414-8D331518AA37}"/>
+                <a16:creationId xmlns:a16="http://schemas.microsoft.com/office/drawing/2014/main" id="{5D65CD4F-BB09-AF44-8712-F858AD663973}"/>
               </a:ext>
             </a:extLst>
           </p:cNvPr>
@@ -3770,19 +3660,16 @@
           <a:bodyPr/>
           <a:lstStyle/>
           <a:p>
-            <a:r>
-              <a:rPr lang="en-US" dirty="0"/>
-              <a:t>.c files: the implementation</a:t>
-            </a:r>
-          </a:p>
-        </p:txBody>
-      </p:sp>
-      <p:sp>
-        <p:nvSpPr>
-          <p:cNvPr id="3" name="Content Placeholder 2">
+            <a:endParaRPr lang="en-US" dirty="0"/>
+          </a:p>
+        </p:txBody>
+      </p:sp>
+      <p:sp>
+        <p:nvSpPr>
+          <p:cNvPr id="4" name="Footer Placeholder 3">
             <a:extLst>
               <a:ext uri="{FF2B5EF4-FFF2-40B4-BE49-F238E27FC236}">
-                <a16:creationId xmlns:a16="http://schemas.microsoft.com/office/drawing/2014/main" id="{CE07B50E-8174-9546-9088-E584C0B94BC6}"/>
+                <a16:creationId xmlns:a16="http://schemas.microsoft.com/office/drawing/2014/main" id="{725CE10C-FA3F-E241-8D54-01BC40DD96AC}"/>
               </a:ext>
             </a:extLst>
           </p:cNvPr>
@@ -3790,109 +3677,6 @@
             <a:spLocks noGrp="1"/>
           </p:cNvSpPr>
           <p:nvPr>
-            <p:ph idx="1"/>
-          </p:nvPr>
-        </p:nvSpPr>
-        <p:spPr/>
-        <p:txBody>
-          <a:bodyPr>
-            <a:normAutofit/>
-          </a:bodyPr>
-          <a:lstStyle/>
-          <a:p>
-            <a:r>
-              <a:rPr lang="en-US" dirty="0">
-                <a:cs typeface="Calibri"/>
-              </a:rPr>
-              <a:t>Contain C code</a:t>
-            </a:r>
-          </a:p>
-          <a:p>
-            <a:r>
-              <a:rPr lang="en-US" dirty="0">
-                <a:cs typeface="Calibri"/>
-              </a:rPr>
-              <a:t>Do get compiled separately</a:t>
-            </a:r>
-          </a:p>
-          <a:p>
-            <a:r>
-              <a:rPr lang="en-US" dirty="0">
-                <a:cs typeface="Calibri"/>
-              </a:rPr>
-              <a:t>Are </a:t>
-            </a:r>
-            <a:r>
-              <a:rPr lang="en-US" i="1" dirty="0">
-                <a:cs typeface="Calibri"/>
-              </a:rPr>
-              <a:t>linked</a:t>
-            </a:r>
-            <a:r>
-              <a:rPr lang="en-US" dirty="0">
-                <a:cs typeface="Calibri"/>
-              </a:rPr>
-              <a:t> after compilation to form the executable</a:t>
-            </a:r>
-          </a:p>
-          <a:p>
-            <a:endParaRPr lang="en-US" dirty="0">
-              <a:cs typeface="Calibri"/>
-            </a:endParaRPr>
-          </a:p>
-          <a:p>
-            <a:pPr marL="0" indent="0">
-              <a:buNone/>
-            </a:pPr>
-            <a:r>
-              <a:rPr lang="en-US" dirty="0" err="1">
-                <a:cs typeface="Calibri"/>
-              </a:rPr>
-              <a:t>gcc</a:t>
-            </a:r>
-            <a:r>
-              <a:rPr lang="en-US" dirty="0">
-                <a:cs typeface="Calibri"/>
-              </a:rPr>
-              <a:t> –o exe –Wall </a:t>
-            </a:r>
-            <a:r>
-              <a:rPr lang="en-US" dirty="0" err="1">
-                <a:cs typeface="Calibri"/>
-              </a:rPr>
-              <a:t>program.c</a:t>
-            </a:r>
-            <a:r>
-              <a:rPr lang="en-US" dirty="0">
-                <a:cs typeface="Calibri"/>
-              </a:rPr>
-              <a:t> </a:t>
-            </a:r>
-            <a:r>
-              <a:rPr lang="en-US" dirty="0" err="1">
-                <a:cs typeface="Calibri"/>
-              </a:rPr>
-              <a:t>funcs.c</a:t>
-            </a:r>
-            <a:endParaRPr lang="en-US" dirty="0">
-              <a:cs typeface="Calibri"/>
-            </a:endParaRPr>
-          </a:p>
-        </p:txBody>
-      </p:sp>
-      <p:sp>
-        <p:nvSpPr>
-          <p:cNvPr id="4" name="Footer Placeholder 3">
-            <a:extLst>
-              <a:ext uri="{FF2B5EF4-FFF2-40B4-BE49-F238E27FC236}">
-                <a16:creationId xmlns:a16="http://schemas.microsoft.com/office/drawing/2014/main" id="{C5B652D8-2345-244F-9508-4A4FC30CAFC7}"/>
-              </a:ext>
-            </a:extLst>
-          </p:cNvPr>
-          <p:cNvSpPr>
-            <a:spLocks noGrp="1"/>
-          </p:cNvSpPr>
-          <p:nvPr>
             <p:ph type="ftr" sz="quarter" idx="11"/>
           </p:nvPr>
         </p:nvSpPr>
@@ -3913,7 +3697,7 @@
           <p:cNvPr id="5" name="Slide Number Placeholder 4">
             <a:extLst>
               <a:ext uri="{FF2B5EF4-FFF2-40B4-BE49-F238E27FC236}">
-                <a16:creationId xmlns:a16="http://schemas.microsoft.com/office/drawing/2014/main" id="{A998C9CE-D56D-A845-B4AB-6F0B4431B165}"/>
+                <a16:creationId xmlns:a16="http://schemas.microsoft.com/office/drawing/2014/main" id="{4907DA86-A9A9-ED4E-8CC1-1C671D6DA637}"/>
               </a:ext>
             </a:extLst>
           </p:cNvPr>
@@ -3937,10 +3721,169 @@
           </a:p>
         </p:txBody>
       </p:sp>
+      <p:pic>
+        <p:nvPicPr>
+          <p:cNvPr id="6" name="Picture 5">
+            <a:extLst>
+              <a:ext uri="{FF2B5EF4-FFF2-40B4-BE49-F238E27FC236}">
+                <a16:creationId xmlns:a16="http://schemas.microsoft.com/office/drawing/2014/main" id="{A8FE54F0-A799-134E-ABBD-4B4E9F227FD8}"/>
+              </a:ext>
+            </a:extLst>
+          </p:cNvPr>
+          <p:cNvPicPr>
+            <a:picLocks noChangeAspect="1" noChangeArrowheads="1"/>
+          </p:cNvPicPr>
+          <p:nvPr/>
+        </p:nvPicPr>
+        <p:blipFill>
+          <a:blip r:embed="rId2">
+            <a:extLst>
+              <a:ext uri="{28A0092B-C50C-407E-A947-70E740481C1C}">
+                <a14:useLocalDpi xmlns:a14="http://schemas.microsoft.com/office/drawing/2010/main" val="0"/>
+              </a:ext>
+            </a:extLst>
+          </a:blip>
+          <a:srcRect/>
+          <a:stretch>
+            <a:fillRect/>
+          </a:stretch>
+        </p:blipFill>
+        <p:spPr bwMode="auto">
+          <a:xfrm>
+            <a:off x="2400300" y="-152400"/>
+            <a:ext cx="6743700" cy="7675246"/>
+          </a:xfrm>
+          <a:prstGeom prst="rect">
+            <a:avLst/>
+          </a:prstGeom>
+          <a:noFill/>
+          <a:ln>
+            <a:noFill/>
+          </a:ln>
+          <a:extLst>
+            <a:ext uri="{909E8E84-426E-40DD-AFC4-6F175D3DCCD1}">
+              <a14:hiddenFill xmlns:a14="http://schemas.microsoft.com/office/drawing/2010/main">
+                <a:solidFill>
+                  <a:srgbClr val="FFFFFF"/>
+                </a:solidFill>
+              </a14:hiddenFill>
+            </a:ext>
+            <a:ext uri="{91240B29-F687-4F45-9708-019B960494DF}">
+              <a14:hiddenLine xmlns:a14="http://schemas.microsoft.com/office/drawing/2010/main" w="9525">
+                <a:solidFill>
+                  <a:srgbClr val="000000"/>
+                </a:solidFill>
+                <a:miter lim="800000"/>
+                <a:headEnd/>
+                <a:tailEnd/>
+              </a14:hiddenLine>
+            </a:ext>
+          </a:extLst>
+        </p:spPr>
+      </p:pic>
+      <p:sp>
+        <p:nvSpPr>
+          <p:cNvPr id="7" name="Title 1">
+            <a:extLst>
+              <a:ext uri="{FF2B5EF4-FFF2-40B4-BE49-F238E27FC236}">
+                <a16:creationId xmlns:a16="http://schemas.microsoft.com/office/drawing/2014/main" id="{7A217806-78CA-784C-9016-FC56E7281D73}"/>
+              </a:ext>
+            </a:extLst>
+          </p:cNvPr>
+          <p:cNvSpPr txBox="1">
+            <a:spLocks/>
+          </p:cNvSpPr>
+          <p:nvPr/>
+        </p:nvSpPr>
+        <p:spPr>
+          <a:xfrm>
+            <a:off x="-89338" y="2178316"/>
+            <a:ext cx="3200400" cy="3535362"/>
+          </a:xfrm>
+          <a:prstGeom prst="rect">
+            <a:avLst/>
+          </a:prstGeom>
+        </p:spPr>
+        <p:txBody>
+          <a:bodyPr vert="horz" lIns="91440" tIns="45720" rIns="91440" bIns="45720" rtlCol="0" anchor="ctr">
+            <a:noAutofit/>
+          </a:bodyPr>
+          <a:lstStyle>
+            <a:lvl1pPr algn="ctr" defTabSz="914400" rtl="0" eaLnBrk="1" latinLnBrk="0" hangingPunct="1">
+              <a:spcBef>
+                <a:spcPct val="0"/>
+              </a:spcBef>
+              <a:buNone/>
+              <a:defRPr sz="4400" kern="1200">
+                <a:solidFill>
+                  <a:schemeClr val="tx1"/>
+                </a:solidFill>
+                <a:latin typeface="+mj-lt"/>
+                <a:ea typeface="+mj-ea"/>
+                <a:cs typeface="+mj-cs"/>
+              </a:defRPr>
+            </a:lvl1pPr>
+          </a:lstStyle>
+          <a:p>
+            <a:r>
+              <a:rPr lang="en-US" altLang="en-US" sz="3200"/>
+              <a:t>Figure 1.11</a:t>
+            </a:r>
+            <a:r>
+              <a:rPr lang="en-US" altLang="en-US" sz="4000"/>
+              <a:t>  </a:t>
+            </a:r>
+            <a:r>
+              <a:rPr lang="en-US" altLang="en-US" sz="2800"/>
+              <a:t>Entering, Translating, </a:t>
+            </a:r>
+            <a:br>
+              <a:rPr lang="en-US" altLang="en-US" sz="2800"/>
+            </a:br>
+            <a:r>
+              <a:rPr lang="en-US" altLang="en-US" sz="2800"/>
+              <a:t>and Running </a:t>
+            </a:r>
+            <a:br>
+              <a:rPr lang="en-US" altLang="en-US" sz="2800"/>
+            </a:br>
+            <a:r>
+              <a:rPr lang="en-US" altLang="en-US" sz="2800"/>
+              <a:t>a High-Level Language Program</a:t>
+            </a:r>
+            <a:endParaRPr lang="en-US" sz="2800" dirty="0"/>
+          </a:p>
+        </p:txBody>
+      </p:sp>
+      <p:sp>
+        <p:nvSpPr>
+          <p:cNvPr id="3" name="Content Placeholder 2">
+            <a:extLst>
+              <a:ext uri="{FF2B5EF4-FFF2-40B4-BE49-F238E27FC236}">
+                <a16:creationId xmlns:a16="http://schemas.microsoft.com/office/drawing/2014/main" id="{DC573067-2140-194F-A863-6A9F27E62B70}"/>
+              </a:ext>
+            </a:extLst>
+          </p:cNvPr>
+          <p:cNvSpPr>
+            <a:spLocks noGrp="1"/>
+          </p:cNvSpPr>
+          <p:nvPr>
+            <p:ph idx="1"/>
+          </p:nvPr>
+        </p:nvSpPr>
+        <p:spPr/>
+        <p:txBody>
+          <a:bodyPr/>
+          <a:lstStyle/>
+          <a:p>
+            <a:endParaRPr lang="en-US" dirty="0"/>
+          </a:p>
+        </p:txBody>
+      </p:sp>
     </p:spTree>
     <p:extLst>
       <p:ext uri="{BB962C8B-B14F-4D97-AF65-F5344CB8AC3E}">
-        <p14:creationId xmlns:p14="http://schemas.microsoft.com/office/powerpoint/2010/main" val="3661327451"/>
+        <p14:creationId xmlns:p14="http://schemas.microsoft.com/office/powerpoint/2010/main" val="2621651438"/>
       </p:ext>
     </p:extLst>
   </p:cSld>
@@ -3972,7 +3915,7 @@
           <p:cNvPr id="2" name="Title 1">
             <a:extLst>
               <a:ext uri="{FF2B5EF4-FFF2-40B4-BE49-F238E27FC236}">
-                <a16:creationId xmlns:a16="http://schemas.microsoft.com/office/drawing/2014/main" id="{A0AD9619-ACDB-9847-9414-8D331518AA37}"/>
+                <a16:creationId xmlns:a16="http://schemas.microsoft.com/office/drawing/2014/main" id="{DB43C236-5A83-784D-A11C-C104F9225D3A}"/>
               </a:ext>
             </a:extLst>
           </p:cNvPr>
@@ -3990,7 +3933,7 @@
           <a:p>
             <a:r>
               <a:rPr lang="en-US" dirty="0"/>
-              <a:t>Header guards</a:t>
+              <a:t>Object files</a:t>
             </a:r>
           </a:p>
         </p:txBody>
@@ -4000,7 +3943,7 @@
           <p:cNvPr id="3" name="Content Placeholder 2">
             <a:extLst>
               <a:ext uri="{FF2B5EF4-FFF2-40B4-BE49-F238E27FC236}">
-                <a16:creationId xmlns:a16="http://schemas.microsoft.com/office/drawing/2014/main" id="{CE07B50E-8174-9546-9088-E584C0B94BC6}"/>
+                <a16:creationId xmlns:a16="http://schemas.microsoft.com/office/drawing/2014/main" id="{D052B412-053B-0C43-8515-258CEE2E127B}"/>
               </a:ext>
             </a:extLst>
           </p:cNvPr>
@@ -4013,16 +3956,14 @@
         </p:nvSpPr>
         <p:spPr/>
         <p:txBody>
-          <a:bodyPr>
-            <a:normAutofit lnSpcReduction="10000"/>
-          </a:bodyPr>
+          <a:bodyPr/>
           <a:lstStyle/>
           <a:p>
             <a:r>
               <a:rPr lang="en-US" dirty="0">
                 <a:cs typeface="Calibri"/>
               </a:rPr>
-              <a:t>We don’t want to include headers multiple times, but they may reference one another</a:t>
+              <a:t>use .o extension</a:t>
             </a:r>
           </a:p>
           <a:p>
@@ -4030,7 +3971,39 @@
               <a:rPr lang="en-US" dirty="0">
                 <a:cs typeface="Calibri"/>
               </a:rPr>
-              <a:t>Solution: header guards</a:t>
+              <a:t>-c flag in </a:t>
+            </a:r>
+            <a:r>
+              <a:rPr lang="en-US" dirty="0" err="1">
+                <a:cs typeface="Calibri"/>
+              </a:rPr>
+              <a:t>gcc</a:t>
+            </a:r>
+            <a:r>
+              <a:rPr lang="en-US" dirty="0">
+                <a:cs typeface="Calibri"/>
+              </a:rPr>
+              <a:t> only compiles, does not link</a:t>
+            </a:r>
+          </a:p>
+          <a:p>
+            <a:r>
+              <a:rPr lang="en-US" dirty="0">
+                <a:cs typeface="Calibri"/>
+              </a:rPr>
+              <a:t>running </a:t>
+            </a:r>
+            <a:r>
+              <a:rPr lang="en-US" dirty="0" err="1">
+                <a:cs typeface="Calibri"/>
+              </a:rPr>
+              <a:t>gcc</a:t>
+            </a:r>
+            <a:r>
+              <a:rPr lang="en-US" dirty="0">
+                <a:cs typeface="Calibri"/>
+              </a:rPr>
+              <a:t> on object files will link them</a:t>
             </a:r>
           </a:p>
           <a:p>
@@ -4043,72 +4016,45 @@
               <a:buNone/>
             </a:pPr>
             <a:r>
+              <a:rPr lang="en-US" dirty="0" err="1">
+                <a:cs typeface="Calibri"/>
+              </a:rPr>
+              <a:t>gcc</a:t>
+            </a:r>
+            <a:r>
               <a:rPr lang="en-US" dirty="0">
-                <a:effectLst/>
-                <a:latin typeface="inherit"/>
+                <a:cs typeface="Calibri"/>
               </a:rPr>
-              <a:t>#</a:t>
-            </a:r>
-            <a:r>
-              <a:rPr lang="en-US" dirty="0" err="1">
-                <a:effectLst/>
-                <a:latin typeface="inherit"/>
-              </a:rPr>
-              <a:t>ifndef</a:t>
-            </a:r>
-            <a:r>
-              <a:rPr lang="en-US" dirty="0">
-                <a:effectLst/>
-                <a:latin typeface="inherit"/>
-              </a:rPr>
-              <a:t> FILENAME_H</a:t>
-            </a:r>
-            <a:endParaRPr lang="en-US" dirty="0"/>
+              <a:t> file1.o file2.o</a:t>
+            </a:r>
           </a:p>
           <a:p>
             <a:pPr marL="0" indent="0">
               <a:buNone/>
             </a:pPr>
-            <a:r>
-              <a:rPr lang="en-US" dirty="0">
-                <a:effectLst/>
-                <a:latin typeface="inherit"/>
-              </a:rPr>
-              <a:t>#define FILENAME_H</a:t>
-            </a:r>
-            <a:endParaRPr lang="en-US" dirty="0"/>
-          </a:p>
-          <a:p>
-            <a:pPr marL="0" indent="0">
-              <a:buNone/>
-            </a:pPr>
-            <a:r>
-              <a:rPr lang="en-US" dirty="0">
-                <a:effectLst/>
-                <a:latin typeface="inherit"/>
-              </a:rPr>
-              <a:t>/* ... Declarations here ... */</a:t>
-            </a:r>
-            <a:r>
-              <a:rPr lang="en-US" dirty="0"/>
-              <a:t> </a:t>
-            </a:r>
-          </a:p>
-          <a:p>
-            <a:pPr marL="0" indent="0">
-              <a:buNone/>
-            </a:pPr>
-            <a:r>
-              <a:rPr lang="en-US" dirty="0">
-                <a:effectLst/>
-                <a:latin typeface="inherit"/>
-              </a:rPr>
-              <a:t>#endif</a:t>
-            </a:r>
             <a:endParaRPr lang="en-US" dirty="0">
               <a:cs typeface="Calibri"/>
             </a:endParaRPr>
           </a:p>
+          <a:p>
+            <a:pPr marL="0" indent="0">
+              <a:buNone/>
+            </a:pPr>
+            <a:r>
+              <a:rPr lang="en-US" dirty="0">
+                <a:cs typeface="Calibri"/>
+              </a:rPr>
+              <a:t>warning: -o does not make object files! -c does.</a:t>
+            </a:r>
+          </a:p>
+          <a:p>
+            <a:endParaRPr lang="en-US" dirty="0">
+              <a:cs typeface="Calibri"/>
+            </a:endParaRPr>
+          </a:p>
+          <a:p>
+            <a:endParaRPr lang="en-US" dirty="0"/>
+          </a:p>
         </p:txBody>
       </p:sp>
       <p:sp>
@@ -4116,7 +4062,7 @@
           <p:cNvPr id="4" name="Footer Placeholder 3">
             <a:extLst>
               <a:ext uri="{FF2B5EF4-FFF2-40B4-BE49-F238E27FC236}">
-                <a16:creationId xmlns:a16="http://schemas.microsoft.com/office/drawing/2014/main" id="{C5B652D8-2345-244F-9508-4A4FC30CAFC7}"/>
+                <a16:creationId xmlns:a16="http://schemas.microsoft.com/office/drawing/2014/main" id="{3B632B10-A278-4843-874F-5DA34F509297}"/>
               </a:ext>
             </a:extLst>
           </p:cNvPr>
@@ -4144,7 +4090,7 @@
           <p:cNvPr id="5" name="Slide Number Placeholder 4">
             <a:extLst>
               <a:ext uri="{FF2B5EF4-FFF2-40B4-BE49-F238E27FC236}">
-                <a16:creationId xmlns:a16="http://schemas.microsoft.com/office/drawing/2014/main" id="{A998C9CE-D56D-A845-B4AB-6F0B4431B165}"/>
+                <a16:creationId xmlns:a16="http://schemas.microsoft.com/office/drawing/2014/main" id="{182414F2-37BA-EA43-82E0-DCFEF56330C2}"/>
               </a:ext>
             </a:extLst>
           </p:cNvPr>
@@ -4171,7 +4117,7 @@
     </p:spTree>
     <p:extLst>
       <p:ext uri="{BB962C8B-B14F-4D97-AF65-F5344CB8AC3E}">
-        <p14:creationId xmlns:p14="http://schemas.microsoft.com/office/powerpoint/2010/main" val="3163587910"/>
+        <p14:creationId xmlns:p14="http://schemas.microsoft.com/office/powerpoint/2010/main" val="1909768909"/>
       </p:ext>
     </p:extLst>
   </p:cSld>
@@ -4248,7 +4194,7 @@
         <p:spPr/>
         <p:txBody>
           <a:bodyPr>
-            <a:normAutofit fontScale="92500" lnSpcReduction="10000"/>
+            <a:normAutofit fontScale="85000" lnSpcReduction="20000"/>
           </a:bodyPr>
           <a:lstStyle/>
           <a:p>
@@ -4264,35 +4210,6 @@
               <a:rPr lang="en-US" dirty="0">
                 <a:cs typeface="Calibri"/>
               </a:rPr>
-              <a:t>-c flag in </a:t>
-            </a:r>
-            <a:r>
-              <a:rPr lang="en-US" dirty="0" err="1">
-                <a:cs typeface="Calibri"/>
-              </a:rPr>
-              <a:t>gcc</a:t>
-            </a:r>
-            <a:r>
-              <a:rPr lang="en-US" dirty="0">
-                <a:cs typeface="Calibri"/>
-              </a:rPr>
-              <a:t> </a:t>
-            </a:r>
-            <a:r>
-              <a:rPr lang="en-US">
-                <a:cs typeface="Calibri"/>
-              </a:rPr>
-              <a:t>only compiles, does not link</a:t>
-            </a:r>
-            <a:endParaRPr lang="en-US" dirty="0">
-              <a:cs typeface="Calibri"/>
-            </a:endParaRPr>
-          </a:p>
-          <a:p>
-            <a:r>
-              <a:rPr lang="en-US" dirty="0">
-                <a:cs typeface="Calibri"/>
-              </a:rPr>
               <a:t>a </a:t>
             </a:r>
             <a:r>
@@ -4309,6 +4226,14 @@
             </a:r>
           </a:p>
           <a:p>
+            <a:r>
+              <a:rPr lang="en-US" dirty="0">
+                <a:cs typeface="Calibri"/>
+              </a:rPr>
+              <a:t>first rule is default target (final executable, for us)</a:t>
+            </a:r>
+          </a:p>
+          <a:p>
             <a:pPr marL="0" indent="0">
               <a:buNone/>
             </a:pPr>
@@ -4346,33 +4271,24 @@
               <a:cs typeface="Calibri"/>
             </a:endParaRPr>
           </a:p>
-        </p:txBody>
-      </p:sp>
-      <p:sp>
-        <p:nvSpPr>
-          <p:cNvPr id="4" name="Footer Placeholder 3">
-            <a:extLst>
-              <a:ext uri="{FF2B5EF4-FFF2-40B4-BE49-F238E27FC236}">
-                <a16:creationId xmlns:a16="http://schemas.microsoft.com/office/drawing/2014/main" id="{C5B652D8-2345-244F-9508-4A4FC30CAFC7}"/>
-              </a:ext>
-            </a:extLst>
-          </p:cNvPr>
-          <p:cNvSpPr>
-            <a:spLocks noGrp="1"/>
-          </p:cNvSpPr>
-          <p:nvPr>
-            <p:ph type="ftr" sz="quarter" idx="11"/>
-          </p:nvPr>
-        </p:nvSpPr>
-        <p:spPr/>
-        <p:txBody>
-          <a:bodyPr/>
-          <a:lstStyle/>
-          <a:p>
-            <a:r>
-              <a:rPr lang="en-US"/>
-              <a:t>© 2016 Pearson Education, Inc., Hoboken, NJ.  All rights reserved.</a:t>
-            </a:r>
+          <a:p>
+            <a:pPr marL="0" indent="0">
+              <a:buNone/>
+            </a:pPr>
+            <a:r>
+              <a:rPr lang="en-US" dirty="0">
+                <a:cs typeface="Calibri"/>
+              </a:rPr>
+              <a:t>warning: tab is required</a:t>
+            </a:r>
+          </a:p>
+          <a:p>
+            <a:pPr marL="0" indent="0">
+              <a:buNone/>
+            </a:pPr>
+            <a:endParaRPr lang="en-US" dirty="0">
+              <a:cs typeface="Calibri"/>
+            </a:endParaRPr>
           </a:p>
         </p:txBody>
       </p:sp>
@@ -4409,6 +4325,477 @@
     <p:extLst>
       <p:ext uri="{BB962C8B-B14F-4D97-AF65-F5344CB8AC3E}">
         <p14:creationId xmlns:p14="http://schemas.microsoft.com/office/powerpoint/2010/main" val="2231707050"/>
+      </p:ext>
+    </p:extLst>
+  </p:cSld>
+  <p:clrMapOvr>
+    <a:masterClrMapping/>
+  </p:clrMapOvr>
+</p:sld>
+</file>
+
+<file path=ppt/slides/slide5.xml><?xml version="1.0" encoding="utf-8"?>
+<p:sld xmlns:a="http://schemas.openxmlformats.org/drawingml/2006/main" xmlns:r="http://schemas.openxmlformats.org/officeDocument/2006/relationships" xmlns:p="http://schemas.openxmlformats.org/presentationml/2006/main">
+  <p:cSld>
+    <p:spTree>
+      <p:nvGrpSpPr>
+        <p:cNvPr id="1" name=""/>
+        <p:cNvGrpSpPr/>
+        <p:nvPr/>
+      </p:nvGrpSpPr>
+      <p:grpSpPr>
+        <a:xfrm>
+          <a:off x="0" y="0"/>
+          <a:ext cx="0" cy="0"/>
+          <a:chOff x="0" y="0"/>
+          <a:chExt cx="0" cy="0"/>
+        </a:xfrm>
+      </p:grpSpPr>
+      <p:sp>
+        <p:nvSpPr>
+          <p:cNvPr id="3" name="Content Placeholder 2">
+            <a:extLst>
+              <a:ext uri="{FF2B5EF4-FFF2-40B4-BE49-F238E27FC236}">
+                <a16:creationId xmlns:a16="http://schemas.microsoft.com/office/drawing/2014/main" id="{7D305C38-F924-564F-B970-6D62DAF23A36}"/>
+              </a:ext>
+            </a:extLst>
+          </p:cNvPr>
+          <p:cNvSpPr>
+            <a:spLocks noGrp="1"/>
+          </p:cNvSpPr>
+          <p:nvPr>
+            <p:ph idx="1"/>
+          </p:nvPr>
+        </p:nvSpPr>
+        <p:spPr>
+          <a:xfrm>
+            <a:off x="457200" y="457200"/>
+            <a:ext cx="8229600" cy="3429000"/>
+          </a:xfrm>
+        </p:spPr>
+        <p:txBody>
+          <a:bodyPr>
+            <a:normAutofit/>
+          </a:bodyPr>
+          <a:lstStyle/>
+          <a:p>
+            <a:pPr marL="0" indent="0">
+              <a:buNone/>
+            </a:pPr>
+            <a:r>
+              <a:rPr lang="en-US" sz="2400" dirty="0">
+                <a:effectLst/>
+                <a:latin typeface="Menlo" panose="020B0609030804020204" pitchFamily="49" charset="0"/>
+              </a:rPr>
+              <a:t>exe: </a:t>
+            </a:r>
+            <a:r>
+              <a:rPr lang="en-US" sz="2400" dirty="0" err="1">
+                <a:effectLst/>
+                <a:latin typeface="Menlo" panose="020B0609030804020204" pitchFamily="49" charset="0"/>
+              </a:rPr>
+              <a:t>student.o</a:t>
+            </a:r>
+            <a:r>
+              <a:rPr lang="en-US" sz="2400" dirty="0">
+                <a:effectLst/>
+                <a:latin typeface="Menlo" panose="020B0609030804020204" pitchFamily="49" charset="0"/>
+              </a:rPr>
+              <a:t> </a:t>
+            </a:r>
+            <a:r>
+              <a:rPr lang="en-US" sz="2400" dirty="0" err="1">
+                <a:effectLst/>
+                <a:latin typeface="Menlo" panose="020B0609030804020204" pitchFamily="49" charset="0"/>
+              </a:rPr>
+              <a:t>student_prog.o</a:t>
+            </a:r>
+            <a:endParaRPr lang="en-US" sz="2400" dirty="0">
+              <a:latin typeface="Menlo" panose="020B0609030804020204" pitchFamily="49" charset="0"/>
+            </a:endParaRPr>
+          </a:p>
+          <a:p>
+            <a:pPr marL="0" indent="0">
+              <a:buNone/>
+            </a:pPr>
+            <a:r>
+              <a:rPr lang="en-US" sz="2400" dirty="0">
+                <a:effectLst/>
+                <a:latin typeface="Menlo" panose="020B0609030804020204" pitchFamily="49" charset="0"/>
+              </a:rPr>
+              <a:t>   </a:t>
+            </a:r>
+            <a:r>
+              <a:rPr lang="en-US" sz="2400" dirty="0" err="1">
+                <a:effectLst/>
+                <a:latin typeface="Menlo" panose="020B0609030804020204" pitchFamily="49" charset="0"/>
+              </a:rPr>
+              <a:t>gcc</a:t>
+            </a:r>
+            <a:r>
+              <a:rPr lang="en-US" sz="2400" dirty="0">
+                <a:effectLst/>
+                <a:latin typeface="Menlo" panose="020B0609030804020204" pitchFamily="49" charset="0"/>
+              </a:rPr>
+              <a:t> -o exe </a:t>
+            </a:r>
+            <a:r>
+              <a:rPr lang="en-US" sz="2400" dirty="0" err="1">
+                <a:effectLst/>
+                <a:latin typeface="Menlo" panose="020B0609030804020204" pitchFamily="49" charset="0"/>
+              </a:rPr>
+              <a:t>student.o</a:t>
+            </a:r>
+            <a:r>
+              <a:rPr lang="en-US" sz="2400" dirty="0">
+                <a:effectLst/>
+                <a:latin typeface="Menlo" panose="020B0609030804020204" pitchFamily="49" charset="0"/>
+              </a:rPr>
+              <a:t> </a:t>
+            </a:r>
+            <a:r>
+              <a:rPr lang="en-US" sz="2400" dirty="0" err="1">
+                <a:effectLst/>
+                <a:latin typeface="Menlo" panose="020B0609030804020204" pitchFamily="49" charset="0"/>
+              </a:rPr>
+              <a:t>student_prog.o</a:t>
+            </a:r>
+            <a:br>
+              <a:rPr lang="en-US" sz="2400" dirty="0">
+                <a:effectLst/>
+                <a:latin typeface="Menlo" panose="020B0609030804020204" pitchFamily="49" charset="0"/>
+              </a:rPr>
+            </a:br>
+            <a:endParaRPr lang="en-US" sz="2400" dirty="0">
+              <a:effectLst/>
+              <a:latin typeface="Menlo" panose="020B0609030804020204" pitchFamily="49" charset="0"/>
+            </a:endParaRPr>
+          </a:p>
+          <a:p>
+            <a:pPr marL="0" indent="0">
+              <a:buNone/>
+            </a:pPr>
+            <a:r>
+              <a:rPr lang="en-US" sz="2400" dirty="0" err="1">
+                <a:effectLst/>
+                <a:latin typeface="Menlo" panose="020B0609030804020204" pitchFamily="49" charset="0"/>
+              </a:rPr>
+              <a:t>student_prog.o</a:t>
+            </a:r>
+            <a:r>
+              <a:rPr lang="en-US" sz="2400" dirty="0">
+                <a:effectLst/>
+                <a:latin typeface="Menlo" panose="020B0609030804020204" pitchFamily="49" charset="0"/>
+              </a:rPr>
+              <a:t>: </a:t>
+            </a:r>
+            <a:r>
+              <a:rPr lang="en-US" sz="2400" dirty="0" err="1">
+                <a:effectLst/>
+                <a:latin typeface="Menlo" panose="020B0609030804020204" pitchFamily="49" charset="0"/>
+              </a:rPr>
+              <a:t>student_prog.c</a:t>
+            </a:r>
+            <a:r>
+              <a:rPr lang="en-US" sz="2400" dirty="0">
+                <a:effectLst/>
+                <a:latin typeface="Menlo" panose="020B0609030804020204" pitchFamily="49" charset="0"/>
+              </a:rPr>
+              <a:t> </a:t>
+            </a:r>
+            <a:r>
+              <a:rPr lang="en-US" sz="2400" dirty="0" err="1">
+                <a:effectLst/>
+                <a:latin typeface="Menlo" panose="020B0609030804020204" pitchFamily="49" charset="0"/>
+              </a:rPr>
+              <a:t>student.h</a:t>
+            </a:r>
+            <a:endParaRPr lang="en-US" sz="2400" dirty="0">
+              <a:latin typeface="Menlo" panose="020B0609030804020204" pitchFamily="49" charset="0"/>
+            </a:endParaRPr>
+          </a:p>
+          <a:p>
+            <a:pPr marL="0" indent="0">
+              <a:buNone/>
+            </a:pPr>
+            <a:r>
+              <a:rPr lang="en-US" sz="2400" dirty="0">
+                <a:effectLst/>
+                <a:latin typeface="Menlo" panose="020B0609030804020204" pitchFamily="49" charset="0"/>
+              </a:rPr>
+              <a:t>	</a:t>
+            </a:r>
+            <a:r>
+              <a:rPr lang="en-US" sz="2400" dirty="0" err="1">
+                <a:effectLst/>
+                <a:latin typeface="Menlo" panose="020B0609030804020204" pitchFamily="49" charset="0"/>
+              </a:rPr>
+              <a:t>gcc</a:t>
+            </a:r>
+            <a:r>
+              <a:rPr lang="en-US" sz="2400" dirty="0">
+                <a:effectLst/>
+                <a:latin typeface="Menlo" panose="020B0609030804020204" pitchFamily="49" charset="0"/>
+              </a:rPr>
+              <a:t> -c </a:t>
+            </a:r>
+            <a:r>
+              <a:rPr lang="en-US" sz="2400" dirty="0" err="1">
+                <a:effectLst/>
+                <a:latin typeface="Menlo" panose="020B0609030804020204" pitchFamily="49" charset="0"/>
+              </a:rPr>
+              <a:t>student_prog.c</a:t>
+            </a:r>
+            <a:r>
+              <a:rPr lang="en-US" sz="2400" dirty="0">
+                <a:effectLst/>
+                <a:latin typeface="Menlo" panose="020B0609030804020204" pitchFamily="49" charset="0"/>
+              </a:rPr>
+              <a:t> -Wall</a:t>
+            </a:r>
+            <a:br>
+              <a:rPr lang="en-US" sz="2400" dirty="0">
+                <a:effectLst/>
+                <a:latin typeface="Menlo" panose="020B0609030804020204" pitchFamily="49" charset="0"/>
+              </a:rPr>
+            </a:br>
+            <a:endParaRPr lang="en-US" sz="2400" dirty="0">
+              <a:effectLst/>
+              <a:latin typeface="Menlo" panose="020B0609030804020204" pitchFamily="49" charset="0"/>
+            </a:endParaRPr>
+          </a:p>
+          <a:p>
+            <a:pPr marL="0" indent="0">
+              <a:buNone/>
+            </a:pPr>
+            <a:r>
+              <a:rPr lang="en-US" sz="2400" dirty="0" err="1">
+                <a:effectLst/>
+                <a:latin typeface="Menlo" panose="020B0609030804020204" pitchFamily="49" charset="0"/>
+              </a:rPr>
+              <a:t>student.o</a:t>
+            </a:r>
+            <a:r>
+              <a:rPr lang="en-US" sz="2400" dirty="0">
+                <a:effectLst/>
+                <a:latin typeface="Menlo" panose="020B0609030804020204" pitchFamily="49" charset="0"/>
+              </a:rPr>
+              <a:t>: </a:t>
+            </a:r>
+            <a:r>
+              <a:rPr lang="en-US" sz="2400" dirty="0" err="1">
+                <a:effectLst/>
+                <a:latin typeface="Menlo" panose="020B0609030804020204" pitchFamily="49" charset="0"/>
+              </a:rPr>
+              <a:t>student.c</a:t>
+            </a:r>
+            <a:r>
+              <a:rPr lang="en-US" sz="2400" dirty="0">
+                <a:effectLst/>
+                <a:latin typeface="Menlo" panose="020B0609030804020204" pitchFamily="49" charset="0"/>
+              </a:rPr>
+              <a:t> </a:t>
+            </a:r>
+            <a:r>
+              <a:rPr lang="en-US" sz="2400" dirty="0" err="1">
+                <a:effectLst/>
+                <a:latin typeface="Menlo" panose="020B0609030804020204" pitchFamily="49" charset="0"/>
+              </a:rPr>
+              <a:t>student.h</a:t>
+            </a:r>
+            <a:endParaRPr lang="en-US" sz="2400" dirty="0">
+              <a:effectLst/>
+              <a:latin typeface="Menlo" panose="020B0609030804020204" pitchFamily="49" charset="0"/>
+            </a:endParaRPr>
+          </a:p>
+          <a:p>
+            <a:pPr marL="0" indent="0">
+              <a:buNone/>
+            </a:pPr>
+            <a:r>
+              <a:rPr lang="en-US" sz="2400" dirty="0">
+                <a:effectLst/>
+                <a:latin typeface="Menlo" panose="020B0609030804020204" pitchFamily="49" charset="0"/>
+              </a:rPr>
+              <a:t>    </a:t>
+            </a:r>
+            <a:r>
+              <a:rPr lang="en-US" sz="2400" dirty="0" err="1">
+                <a:effectLst/>
+                <a:latin typeface="Menlo" panose="020B0609030804020204" pitchFamily="49" charset="0"/>
+              </a:rPr>
+              <a:t>gcc</a:t>
+            </a:r>
+            <a:r>
+              <a:rPr lang="en-US" sz="2400" dirty="0">
+                <a:effectLst/>
+                <a:latin typeface="Menlo" panose="020B0609030804020204" pitchFamily="49" charset="0"/>
+              </a:rPr>
+              <a:t> -c </a:t>
+            </a:r>
+            <a:r>
+              <a:rPr lang="en-US" sz="2400" dirty="0" err="1">
+                <a:effectLst/>
+                <a:latin typeface="Menlo" panose="020B0609030804020204" pitchFamily="49" charset="0"/>
+              </a:rPr>
+              <a:t>student.c</a:t>
+            </a:r>
+            <a:r>
+              <a:rPr lang="en-US" sz="2400" dirty="0">
+                <a:effectLst/>
+                <a:latin typeface="Menlo" panose="020B0609030804020204" pitchFamily="49" charset="0"/>
+              </a:rPr>
+              <a:t> -Wall</a:t>
+            </a:r>
+          </a:p>
+        </p:txBody>
+      </p:sp>
+      <p:sp>
+        <p:nvSpPr>
+          <p:cNvPr id="5" name="Slide Number Placeholder 4">
+            <a:extLst>
+              <a:ext uri="{FF2B5EF4-FFF2-40B4-BE49-F238E27FC236}">
+                <a16:creationId xmlns:a16="http://schemas.microsoft.com/office/drawing/2014/main" id="{7B4AD162-ED7C-5F46-97D6-9EBD2AA76634}"/>
+              </a:ext>
+            </a:extLst>
+          </p:cNvPr>
+          <p:cNvSpPr>
+            <a:spLocks noGrp="1"/>
+          </p:cNvSpPr>
+          <p:nvPr>
+            <p:ph type="sldNum" sz="quarter" idx="12"/>
+          </p:nvPr>
+        </p:nvSpPr>
+        <p:spPr/>
+        <p:txBody>
+          <a:bodyPr/>
+          <a:lstStyle/>
+          <a:p>
+            <a:fld id="{85A8DA42-601D-40A8-83CA-2F2CBDE5F9F0}" type="slidenum">
+              <a:rPr lang="en-US" smtClean="0"/>
+              <a:t>5</a:t>
+            </a:fld>
+            <a:endParaRPr lang="en-US"/>
+          </a:p>
+        </p:txBody>
+      </p:sp>
+      <p:sp>
+        <p:nvSpPr>
+          <p:cNvPr id="8" name="TextBox 7">
+            <a:extLst>
+              <a:ext uri="{FF2B5EF4-FFF2-40B4-BE49-F238E27FC236}">
+                <a16:creationId xmlns:a16="http://schemas.microsoft.com/office/drawing/2014/main" id="{EF54E436-84D6-9049-B53E-C95690FE412D}"/>
+              </a:ext>
+            </a:extLst>
+          </p:cNvPr>
+          <p:cNvSpPr txBox="1"/>
+          <p:nvPr/>
+        </p:nvSpPr>
+        <p:spPr>
+          <a:xfrm>
+            <a:off x="304800" y="4306431"/>
+            <a:ext cx="7924800" cy="2246769"/>
+          </a:xfrm>
+          <a:prstGeom prst="rect">
+            <a:avLst/>
+          </a:prstGeom>
+          <a:noFill/>
+        </p:spPr>
+        <p:txBody>
+          <a:bodyPr wrap="square" rtlCol="0">
+            <a:spAutoFit/>
+          </a:bodyPr>
+          <a:lstStyle/>
+          <a:p>
+            <a:pPr marL="285750" indent="-285750">
+              <a:buFont typeface="Arial" panose="020B0604020202020204" pitchFamily="34" charset="0"/>
+              <a:buChar char="•"/>
+            </a:pPr>
+            <a:r>
+              <a:rPr lang="en-US" sz="2800" dirty="0"/>
+              <a:t>exe depends on </a:t>
+            </a:r>
+            <a:r>
+              <a:rPr lang="en-US" sz="2800" dirty="0" err="1"/>
+              <a:t>student.o</a:t>
+            </a:r>
+            <a:r>
+              <a:rPr lang="en-US" sz="2800" dirty="0"/>
+              <a:t> and </a:t>
+            </a:r>
+            <a:r>
+              <a:rPr lang="en-US" sz="2800" dirty="0" err="1"/>
+              <a:t>student_prog.o</a:t>
+            </a:r>
+            <a:endParaRPr lang="en-US" sz="2800" dirty="0"/>
+          </a:p>
+          <a:p>
+            <a:pPr marL="285750" indent="-285750">
+              <a:buFont typeface="Arial" panose="020B0604020202020204" pitchFamily="34" charset="0"/>
+              <a:buChar char="•"/>
+            </a:pPr>
+            <a:r>
+              <a:rPr lang="en-US" sz="2800" dirty="0" err="1"/>
+              <a:t>student_prog.o</a:t>
+            </a:r>
+            <a:r>
+              <a:rPr lang="en-US" sz="2800" dirty="0"/>
+              <a:t> depends on </a:t>
+            </a:r>
+            <a:r>
+              <a:rPr lang="en-US" sz="2800" dirty="0" err="1"/>
+              <a:t>student_prog.c</a:t>
+            </a:r>
+            <a:r>
+              <a:rPr lang="en-US" sz="2800" dirty="0"/>
+              <a:t> and </a:t>
+            </a:r>
+            <a:r>
+              <a:rPr lang="en-US" sz="2800" dirty="0" err="1"/>
+              <a:t>student.h</a:t>
+            </a:r>
+            <a:endParaRPr lang="en-US" sz="2800" dirty="0"/>
+          </a:p>
+          <a:p>
+            <a:pPr marL="285750" indent="-285750">
+              <a:buFont typeface="Arial" panose="020B0604020202020204" pitchFamily="34" charset="0"/>
+              <a:buChar char="•"/>
+            </a:pPr>
+            <a:r>
+              <a:rPr lang="en-US" sz="2800" dirty="0" err="1"/>
+              <a:t>student.o</a:t>
+            </a:r>
+            <a:r>
+              <a:rPr lang="en-US" sz="2800" dirty="0"/>
+              <a:t> depends on </a:t>
+            </a:r>
+            <a:r>
+              <a:rPr lang="en-US" sz="2800" dirty="0" err="1"/>
+              <a:t>student.c</a:t>
+            </a:r>
+            <a:r>
+              <a:rPr lang="en-US" sz="2800" dirty="0"/>
+              <a:t> and </a:t>
+            </a:r>
+            <a:r>
+              <a:rPr lang="en-US" sz="2800" dirty="0" err="1"/>
+              <a:t>student.h</a:t>
+            </a:r>
+            <a:endParaRPr lang="en-US" sz="2800" dirty="0"/>
+          </a:p>
+          <a:p>
+            <a:pPr marL="285750" indent="-285750">
+              <a:buFont typeface="Arial" panose="020B0604020202020204" pitchFamily="34" charset="0"/>
+              <a:buChar char="•"/>
+            </a:pPr>
+            <a:endParaRPr lang="en-US" sz="2800" dirty="0"/>
+          </a:p>
+        </p:txBody>
+      </p:sp>
+    </p:spTree>
+    <p:extLst>
+      <p:ext uri="{BB962C8B-B14F-4D97-AF65-F5344CB8AC3E}">
+        <p14:creationId xmlns:p14="http://schemas.microsoft.com/office/powerpoint/2010/main" val="1179712715"/>
       </p:ext>
     </p:extLst>
   </p:cSld>
